--- a/report/figures/System Diagram.pptx
+++ b/report/figures/System Diagram.pptx
@@ -4016,7 +4016,7 @@
             <a:pPr algn="ctr"/>
             <a:r>
               <a:rPr lang="en-US" dirty="0"/>
-              <a:t>Dike heightening</a:t>
+              <a:t>Heightening dikes</a:t>
             </a:r>
           </a:p>
         </p:txBody>
@@ -4065,7 +4065,7 @@
             <a:pPr algn="ctr"/>
             <a:r>
               <a:rPr lang="en-US" dirty="0"/>
-              <a:t>Early warning</a:t>
+              <a:t>Implementing early warning</a:t>
             </a:r>
           </a:p>
         </p:txBody>
@@ -4114,7 +4114,7 @@
             <a:pPr algn="ctr"/>
             <a:r>
               <a:rPr lang="en-US" dirty="0"/>
-              <a:t>Room for the river</a:t>
+              <a:t>Making RfR projects</a:t>
             </a:r>
           </a:p>
         </p:txBody>
@@ -5768,6 +5768,1014 @@
           </a:fontRef>
         </p:style>
       </p:cxnSp>
+      <p:sp>
+        <p:nvSpPr>
+          <p:cNvPr id="2" name="TextBox 1">
+            <a:extLst>
+              <a:ext uri="{FF2B5EF4-FFF2-40B4-BE49-F238E27FC236}">
+                <a16:creationId xmlns:a16="http://schemas.microsoft.com/office/drawing/2014/main" id="{D8D4C51B-87DD-45C6-A6F7-1205C28263C9}"/>
+              </a:ext>
+            </a:extLst>
+          </p:cNvPr>
+          <p:cNvSpPr txBox="1"/>
+          <p:nvPr/>
+        </p:nvSpPr>
+        <p:spPr>
+          <a:xfrm>
+            <a:off x="1954481" y="1050012"/>
+            <a:ext cx="231347" cy="369332"/>
+          </a:xfrm>
+          <a:prstGeom prst="rect">
+            <a:avLst/>
+          </a:prstGeom>
+          <a:noFill/>
+        </p:spPr>
+        <p:txBody>
+          <a:bodyPr wrap="square" rtlCol="0">
+            <a:spAutoFit/>
+          </a:bodyPr>
+          <a:lstStyle/>
+          <a:p>
+            <a:r>
+              <a:rPr lang="en-US" dirty="0">
+                <a:solidFill>
+                  <a:schemeClr val="accent1">
+                    <a:lumMod val="60000"/>
+                    <a:lumOff val="40000"/>
+                  </a:schemeClr>
+                </a:solidFill>
+              </a:rPr>
+              <a:t>?</a:t>
+            </a:r>
+          </a:p>
+        </p:txBody>
+      </p:sp>
+      <p:sp>
+        <p:nvSpPr>
+          <p:cNvPr id="51" name="TextBox 50">
+            <a:extLst>
+              <a:ext uri="{FF2B5EF4-FFF2-40B4-BE49-F238E27FC236}">
+                <a16:creationId xmlns:a16="http://schemas.microsoft.com/office/drawing/2014/main" id="{7B2BFA60-2D88-45D1-9CB9-802DAADD2788}"/>
+              </a:ext>
+            </a:extLst>
+          </p:cNvPr>
+          <p:cNvSpPr txBox="1"/>
+          <p:nvPr/>
+        </p:nvSpPr>
+        <p:spPr>
+          <a:xfrm>
+            <a:off x="1821174" y="2242575"/>
+            <a:ext cx="231347" cy="369332"/>
+          </a:xfrm>
+          <a:prstGeom prst="rect">
+            <a:avLst/>
+          </a:prstGeom>
+          <a:noFill/>
+        </p:spPr>
+        <p:txBody>
+          <a:bodyPr wrap="square" rtlCol="0">
+            <a:spAutoFit/>
+          </a:bodyPr>
+          <a:lstStyle/>
+          <a:p>
+            <a:r>
+              <a:rPr lang="en-US" dirty="0">
+                <a:solidFill>
+                  <a:schemeClr val="accent1">
+                    <a:lumMod val="60000"/>
+                    <a:lumOff val="40000"/>
+                  </a:schemeClr>
+                </a:solidFill>
+              </a:rPr>
+              <a:t>+</a:t>
+            </a:r>
+          </a:p>
+        </p:txBody>
+      </p:sp>
+      <p:sp>
+        <p:nvSpPr>
+          <p:cNvPr id="52" name="TextBox 51">
+            <a:extLst>
+              <a:ext uri="{FF2B5EF4-FFF2-40B4-BE49-F238E27FC236}">
+                <a16:creationId xmlns:a16="http://schemas.microsoft.com/office/drawing/2014/main" id="{57A9FDA2-5B99-4322-83F1-2ABAC07CF3F7}"/>
+              </a:ext>
+            </a:extLst>
+          </p:cNvPr>
+          <p:cNvSpPr txBox="1"/>
+          <p:nvPr/>
+        </p:nvSpPr>
+        <p:spPr>
+          <a:xfrm>
+            <a:off x="3104511" y="2830150"/>
+            <a:ext cx="231347" cy="369332"/>
+          </a:xfrm>
+          <a:prstGeom prst="rect">
+            <a:avLst/>
+          </a:prstGeom>
+          <a:noFill/>
+        </p:spPr>
+        <p:txBody>
+          <a:bodyPr wrap="square" rtlCol="0">
+            <a:spAutoFit/>
+          </a:bodyPr>
+          <a:lstStyle/>
+          <a:p>
+            <a:r>
+              <a:rPr lang="en-US" dirty="0">
+                <a:solidFill>
+                  <a:schemeClr val="accent1">
+                    <a:lumMod val="60000"/>
+                    <a:lumOff val="40000"/>
+                  </a:schemeClr>
+                </a:solidFill>
+              </a:rPr>
+              <a:t>+</a:t>
+            </a:r>
+          </a:p>
+        </p:txBody>
+      </p:sp>
+      <p:sp>
+        <p:nvSpPr>
+          <p:cNvPr id="53" name="TextBox 52">
+            <a:extLst>
+              <a:ext uri="{FF2B5EF4-FFF2-40B4-BE49-F238E27FC236}">
+                <a16:creationId xmlns:a16="http://schemas.microsoft.com/office/drawing/2014/main" id="{20D7BAE7-4E0E-4822-B11F-10BDB10F7975}"/>
+              </a:ext>
+            </a:extLst>
+          </p:cNvPr>
+          <p:cNvSpPr txBox="1"/>
+          <p:nvPr/>
+        </p:nvSpPr>
+        <p:spPr>
+          <a:xfrm>
+            <a:off x="2320165" y="3225742"/>
+            <a:ext cx="231347" cy="369332"/>
+          </a:xfrm>
+          <a:prstGeom prst="rect">
+            <a:avLst/>
+          </a:prstGeom>
+          <a:noFill/>
+        </p:spPr>
+        <p:txBody>
+          <a:bodyPr wrap="square" rtlCol="0">
+            <a:spAutoFit/>
+          </a:bodyPr>
+          <a:lstStyle/>
+          <a:p>
+            <a:r>
+              <a:rPr lang="en-US" dirty="0">
+                <a:solidFill>
+                  <a:schemeClr val="accent1">
+                    <a:lumMod val="60000"/>
+                    <a:lumOff val="40000"/>
+                  </a:schemeClr>
+                </a:solidFill>
+              </a:rPr>
+              <a:t>+</a:t>
+            </a:r>
+          </a:p>
+        </p:txBody>
+      </p:sp>
+      <p:sp>
+        <p:nvSpPr>
+          <p:cNvPr id="54" name="TextBox 53">
+            <a:extLst>
+              <a:ext uri="{FF2B5EF4-FFF2-40B4-BE49-F238E27FC236}">
+                <a16:creationId xmlns:a16="http://schemas.microsoft.com/office/drawing/2014/main" id="{ECFC8E08-9B0F-473A-BF59-C3A7B7B38C51}"/>
+              </a:ext>
+            </a:extLst>
+          </p:cNvPr>
+          <p:cNvSpPr txBox="1"/>
+          <p:nvPr/>
+        </p:nvSpPr>
+        <p:spPr>
+          <a:xfrm>
+            <a:off x="3867972" y="1839974"/>
+            <a:ext cx="231347" cy="369332"/>
+          </a:xfrm>
+          <a:prstGeom prst="rect">
+            <a:avLst/>
+          </a:prstGeom>
+          <a:noFill/>
+        </p:spPr>
+        <p:txBody>
+          <a:bodyPr wrap="square" rtlCol="0">
+            <a:spAutoFit/>
+          </a:bodyPr>
+          <a:lstStyle/>
+          <a:p>
+            <a:r>
+              <a:rPr lang="en-US" dirty="0">
+                <a:solidFill>
+                  <a:schemeClr val="accent1">
+                    <a:lumMod val="60000"/>
+                    <a:lumOff val="40000"/>
+                  </a:schemeClr>
+                </a:solidFill>
+              </a:rPr>
+              <a:t>+</a:t>
+            </a:r>
+          </a:p>
+        </p:txBody>
+      </p:sp>
+      <p:sp>
+        <p:nvSpPr>
+          <p:cNvPr id="55" name="TextBox 54">
+            <a:extLst>
+              <a:ext uri="{FF2B5EF4-FFF2-40B4-BE49-F238E27FC236}">
+                <a16:creationId xmlns:a16="http://schemas.microsoft.com/office/drawing/2014/main" id="{A4145A48-4747-40C3-ABC0-9A10B1BB75F2}"/>
+              </a:ext>
+            </a:extLst>
+          </p:cNvPr>
+          <p:cNvSpPr txBox="1"/>
+          <p:nvPr/>
+        </p:nvSpPr>
+        <p:spPr>
+          <a:xfrm>
+            <a:off x="4460252" y="1367975"/>
+            <a:ext cx="231347" cy="369332"/>
+          </a:xfrm>
+          <a:prstGeom prst="rect">
+            <a:avLst/>
+          </a:prstGeom>
+          <a:noFill/>
+        </p:spPr>
+        <p:txBody>
+          <a:bodyPr wrap="square" rtlCol="0">
+            <a:spAutoFit/>
+          </a:bodyPr>
+          <a:lstStyle/>
+          <a:p>
+            <a:r>
+              <a:rPr lang="en-US" dirty="0">
+                <a:solidFill>
+                  <a:schemeClr val="accent1">
+                    <a:lumMod val="60000"/>
+                    <a:lumOff val="40000"/>
+                  </a:schemeClr>
+                </a:solidFill>
+              </a:rPr>
+              <a:t>+</a:t>
+            </a:r>
+          </a:p>
+        </p:txBody>
+      </p:sp>
+      <p:sp>
+        <p:nvSpPr>
+          <p:cNvPr id="57" name="TextBox 56">
+            <a:extLst>
+              <a:ext uri="{FF2B5EF4-FFF2-40B4-BE49-F238E27FC236}">
+                <a16:creationId xmlns:a16="http://schemas.microsoft.com/office/drawing/2014/main" id="{4D101B3E-AE53-4473-B9B1-EB5F5B6584EB}"/>
+              </a:ext>
+            </a:extLst>
+          </p:cNvPr>
+          <p:cNvSpPr txBox="1"/>
+          <p:nvPr/>
+        </p:nvSpPr>
+        <p:spPr>
+          <a:xfrm>
+            <a:off x="5513961" y="1507967"/>
+            <a:ext cx="231347" cy="369332"/>
+          </a:xfrm>
+          <a:prstGeom prst="rect">
+            <a:avLst/>
+          </a:prstGeom>
+          <a:noFill/>
+        </p:spPr>
+        <p:txBody>
+          <a:bodyPr wrap="square" rtlCol="0">
+            <a:spAutoFit/>
+          </a:bodyPr>
+          <a:lstStyle/>
+          <a:p>
+            <a:r>
+              <a:rPr lang="en-US" dirty="0">
+                <a:solidFill>
+                  <a:schemeClr val="accent1">
+                    <a:lumMod val="60000"/>
+                    <a:lumOff val="40000"/>
+                  </a:schemeClr>
+                </a:solidFill>
+              </a:rPr>
+              <a:t>+</a:t>
+            </a:r>
+          </a:p>
+        </p:txBody>
+      </p:sp>
+      <p:sp>
+        <p:nvSpPr>
+          <p:cNvPr id="58" name="TextBox 57">
+            <a:extLst>
+              <a:ext uri="{FF2B5EF4-FFF2-40B4-BE49-F238E27FC236}">
+                <a16:creationId xmlns:a16="http://schemas.microsoft.com/office/drawing/2014/main" id="{3F70D40E-A66D-45CC-AE32-F8CB9804C232}"/>
+              </a:ext>
+            </a:extLst>
+          </p:cNvPr>
+          <p:cNvSpPr txBox="1"/>
+          <p:nvPr/>
+        </p:nvSpPr>
+        <p:spPr>
+          <a:xfrm>
+            <a:off x="4795518" y="3093334"/>
+            <a:ext cx="231347" cy="369332"/>
+          </a:xfrm>
+          <a:prstGeom prst="rect">
+            <a:avLst/>
+          </a:prstGeom>
+          <a:noFill/>
+        </p:spPr>
+        <p:txBody>
+          <a:bodyPr wrap="square" rtlCol="0">
+            <a:spAutoFit/>
+          </a:bodyPr>
+          <a:lstStyle/>
+          <a:p>
+            <a:r>
+              <a:rPr lang="en-US" dirty="0">
+                <a:solidFill>
+                  <a:schemeClr val="accent1">
+                    <a:lumMod val="60000"/>
+                    <a:lumOff val="40000"/>
+                  </a:schemeClr>
+                </a:solidFill>
+              </a:rPr>
+              <a:t>-</a:t>
+            </a:r>
+          </a:p>
+        </p:txBody>
+      </p:sp>
+      <p:sp>
+        <p:nvSpPr>
+          <p:cNvPr id="60" name="TextBox 59">
+            <a:extLst>
+              <a:ext uri="{FF2B5EF4-FFF2-40B4-BE49-F238E27FC236}">
+                <a16:creationId xmlns:a16="http://schemas.microsoft.com/office/drawing/2014/main" id="{C3508ECB-9ECC-4742-B10E-3864A250853A}"/>
+              </a:ext>
+            </a:extLst>
+          </p:cNvPr>
+          <p:cNvSpPr txBox="1"/>
+          <p:nvPr/>
+        </p:nvSpPr>
+        <p:spPr>
+          <a:xfrm>
+            <a:off x="3121236" y="4892050"/>
+            <a:ext cx="231347" cy="369332"/>
+          </a:xfrm>
+          <a:prstGeom prst="rect">
+            <a:avLst/>
+          </a:prstGeom>
+          <a:noFill/>
+        </p:spPr>
+        <p:txBody>
+          <a:bodyPr wrap="square" rtlCol="0">
+            <a:spAutoFit/>
+          </a:bodyPr>
+          <a:lstStyle/>
+          <a:p>
+            <a:r>
+              <a:rPr lang="en-US" dirty="0">
+                <a:solidFill>
+                  <a:schemeClr val="accent1">
+                    <a:lumMod val="60000"/>
+                    <a:lumOff val="40000"/>
+                  </a:schemeClr>
+                </a:solidFill>
+              </a:rPr>
+              <a:t>+</a:t>
+            </a:r>
+          </a:p>
+        </p:txBody>
+      </p:sp>
+      <p:sp>
+        <p:nvSpPr>
+          <p:cNvPr id="61" name="TextBox 60">
+            <a:extLst>
+              <a:ext uri="{FF2B5EF4-FFF2-40B4-BE49-F238E27FC236}">
+                <a16:creationId xmlns:a16="http://schemas.microsoft.com/office/drawing/2014/main" id="{B63A8825-54FE-4210-83E2-1B4038F29135}"/>
+              </a:ext>
+            </a:extLst>
+          </p:cNvPr>
+          <p:cNvSpPr txBox="1"/>
+          <p:nvPr/>
+        </p:nvSpPr>
+        <p:spPr>
+          <a:xfrm>
+            <a:off x="6618614" y="4798516"/>
+            <a:ext cx="231347" cy="369332"/>
+          </a:xfrm>
+          <a:prstGeom prst="rect">
+            <a:avLst/>
+          </a:prstGeom>
+          <a:noFill/>
+        </p:spPr>
+        <p:txBody>
+          <a:bodyPr wrap="square" rtlCol="0">
+            <a:spAutoFit/>
+          </a:bodyPr>
+          <a:lstStyle/>
+          <a:p>
+            <a:r>
+              <a:rPr lang="en-US" dirty="0">
+                <a:solidFill>
+                  <a:schemeClr val="accent1">
+                    <a:lumMod val="60000"/>
+                    <a:lumOff val="40000"/>
+                  </a:schemeClr>
+                </a:solidFill>
+              </a:rPr>
+              <a:t>+</a:t>
+            </a:r>
+          </a:p>
+        </p:txBody>
+      </p:sp>
+      <p:sp>
+        <p:nvSpPr>
+          <p:cNvPr id="62" name="TextBox 61">
+            <a:extLst>
+              <a:ext uri="{FF2B5EF4-FFF2-40B4-BE49-F238E27FC236}">
+                <a16:creationId xmlns:a16="http://schemas.microsoft.com/office/drawing/2014/main" id="{92E4EB25-5DD9-4154-84E2-27230EC76301}"/>
+              </a:ext>
+            </a:extLst>
+          </p:cNvPr>
+          <p:cNvSpPr txBox="1"/>
+          <p:nvPr/>
+        </p:nvSpPr>
+        <p:spPr>
+          <a:xfrm>
+            <a:off x="9591233" y="4892050"/>
+            <a:ext cx="231347" cy="369332"/>
+          </a:xfrm>
+          <a:prstGeom prst="rect">
+            <a:avLst/>
+          </a:prstGeom>
+          <a:noFill/>
+        </p:spPr>
+        <p:txBody>
+          <a:bodyPr wrap="square" rtlCol="0">
+            <a:spAutoFit/>
+          </a:bodyPr>
+          <a:lstStyle/>
+          <a:p>
+            <a:r>
+              <a:rPr lang="en-US" dirty="0">
+                <a:solidFill>
+                  <a:schemeClr val="accent1">
+                    <a:lumMod val="60000"/>
+                    <a:lumOff val="40000"/>
+                  </a:schemeClr>
+                </a:solidFill>
+              </a:rPr>
+              <a:t>+</a:t>
+            </a:r>
+          </a:p>
+        </p:txBody>
+      </p:sp>
+      <p:sp>
+        <p:nvSpPr>
+          <p:cNvPr id="63" name="TextBox 62">
+            <a:extLst>
+              <a:ext uri="{FF2B5EF4-FFF2-40B4-BE49-F238E27FC236}">
+                <a16:creationId xmlns:a16="http://schemas.microsoft.com/office/drawing/2014/main" id="{581F4514-5E42-4398-B825-8CB1C0210A31}"/>
+              </a:ext>
+            </a:extLst>
+          </p:cNvPr>
+          <p:cNvSpPr txBox="1"/>
+          <p:nvPr/>
+        </p:nvSpPr>
+        <p:spPr>
+          <a:xfrm>
+            <a:off x="5989943" y="3832480"/>
+            <a:ext cx="231347" cy="369332"/>
+          </a:xfrm>
+          <a:prstGeom prst="rect">
+            <a:avLst/>
+          </a:prstGeom>
+          <a:noFill/>
+        </p:spPr>
+        <p:txBody>
+          <a:bodyPr wrap="square" rtlCol="0">
+            <a:spAutoFit/>
+          </a:bodyPr>
+          <a:lstStyle/>
+          <a:p>
+            <a:r>
+              <a:rPr lang="en-US" dirty="0">
+                <a:solidFill>
+                  <a:schemeClr val="accent1">
+                    <a:lumMod val="60000"/>
+                    <a:lumOff val="40000"/>
+                  </a:schemeClr>
+                </a:solidFill>
+              </a:rPr>
+              <a:t>+</a:t>
+            </a:r>
+          </a:p>
+        </p:txBody>
+      </p:sp>
+      <p:sp>
+        <p:nvSpPr>
+          <p:cNvPr id="65" name="TextBox 64">
+            <a:extLst>
+              <a:ext uri="{FF2B5EF4-FFF2-40B4-BE49-F238E27FC236}">
+                <a16:creationId xmlns:a16="http://schemas.microsoft.com/office/drawing/2014/main" id="{18A18DD9-E381-4E24-B3B6-6CBD134BD5E3}"/>
+              </a:ext>
+            </a:extLst>
+          </p:cNvPr>
+          <p:cNvSpPr txBox="1"/>
+          <p:nvPr/>
+        </p:nvSpPr>
+        <p:spPr>
+          <a:xfrm>
+            <a:off x="6296296" y="2427241"/>
+            <a:ext cx="231347" cy="369332"/>
+          </a:xfrm>
+          <a:prstGeom prst="rect">
+            <a:avLst/>
+          </a:prstGeom>
+          <a:noFill/>
+        </p:spPr>
+        <p:txBody>
+          <a:bodyPr wrap="square" rtlCol="0">
+            <a:spAutoFit/>
+          </a:bodyPr>
+          <a:lstStyle/>
+          <a:p>
+            <a:r>
+              <a:rPr lang="en-US" dirty="0">
+                <a:solidFill>
+                  <a:schemeClr val="accent1">
+                    <a:lumMod val="60000"/>
+                    <a:lumOff val="40000"/>
+                  </a:schemeClr>
+                </a:solidFill>
+              </a:rPr>
+              <a:t>+</a:t>
+            </a:r>
+          </a:p>
+        </p:txBody>
+      </p:sp>
+      <p:sp>
+        <p:nvSpPr>
+          <p:cNvPr id="66" name="TextBox 65">
+            <a:extLst>
+              <a:ext uri="{FF2B5EF4-FFF2-40B4-BE49-F238E27FC236}">
+                <a16:creationId xmlns:a16="http://schemas.microsoft.com/office/drawing/2014/main" id="{1825920C-419E-4673-906C-2285CDF9927F}"/>
+              </a:ext>
+            </a:extLst>
+          </p:cNvPr>
+          <p:cNvSpPr txBox="1"/>
+          <p:nvPr/>
+        </p:nvSpPr>
+        <p:spPr>
+          <a:xfrm>
+            <a:off x="7124428" y="876470"/>
+            <a:ext cx="231347" cy="369332"/>
+          </a:xfrm>
+          <a:prstGeom prst="rect">
+            <a:avLst/>
+          </a:prstGeom>
+          <a:noFill/>
+        </p:spPr>
+        <p:txBody>
+          <a:bodyPr wrap="square" rtlCol="0">
+            <a:spAutoFit/>
+          </a:bodyPr>
+          <a:lstStyle/>
+          <a:p>
+            <a:r>
+              <a:rPr lang="en-US" dirty="0">
+                <a:solidFill>
+                  <a:schemeClr val="accent1">
+                    <a:lumMod val="60000"/>
+                    <a:lumOff val="40000"/>
+                  </a:schemeClr>
+                </a:solidFill>
+              </a:rPr>
+              <a:t>+</a:t>
+            </a:r>
+          </a:p>
+        </p:txBody>
+      </p:sp>
+      <p:sp>
+        <p:nvSpPr>
+          <p:cNvPr id="67" name="TextBox 66">
+            <a:extLst>
+              <a:ext uri="{FF2B5EF4-FFF2-40B4-BE49-F238E27FC236}">
+                <a16:creationId xmlns:a16="http://schemas.microsoft.com/office/drawing/2014/main" id="{6A8B611F-AFC3-4396-9715-DDFDB491A92C}"/>
+              </a:ext>
+            </a:extLst>
+          </p:cNvPr>
+          <p:cNvSpPr txBox="1"/>
+          <p:nvPr/>
+        </p:nvSpPr>
+        <p:spPr>
+          <a:xfrm>
+            <a:off x="8148507" y="3100316"/>
+            <a:ext cx="231347" cy="369332"/>
+          </a:xfrm>
+          <a:prstGeom prst="rect">
+            <a:avLst/>
+          </a:prstGeom>
+          <a:noFill/>
+        </p:spPr>
+        <p:txBody>
+          <a:bodyPr wrap="square" rtlCol="0">
+            <a:spAutoFit/>
+          </a:bodyPr>
+          <a:lstStyle/>
+          <a:p>
+            <a:r>
+              <a:rPr lang="en-US" dirty="0">
+                <a:solidFill>
+                  <a:schemeClr val="accent1">
+                    <a:lumMod val="60000"/>
+                    <a:lumOff val="40000"/>
+                  </a:schemeClr>
+                </a:solidFill>
+              </a:rPr>
+              <a:t>+</a:t>
+            </a:r>
+          </a:p>
+        </p:txBody>
+      </p:sp>
+      <p:sp>
+        <p:nvSpPr>
+          <p:cNvPr id="68" name="TextBox 67">
+            <a:extLst>
+              <a:ext uri="{FF2B5EF4-FFF2-40B4-BE49-F238E27FC236}">
+                <a16:creationId xmlns:a16="http://schemas.microsoft.com/office/drawing/2014/main" id="{6C6E6224-F83C-4F03-A136-AD8B3E34FDD5}"/>
+              </a:ext>
+            </a:extLst>
+          </p:cNvPr>
+          <p:cNvSpPr txBox="1"/>
+          <p:nvPr/>
+        </p:nvSpPr>
+        <p:spPr>
+          <a:xfrm>
+            <a:off x="8211746" y="2846045"/>
+            <a:ext cx="231347" cy="369332"/>
+          </a:xfrm>
+          <a:prstGeom prst="rect">
+            <a:avLst/>
+          </a:prstGeom>
+          <a:noFill/>
+        </p:spPr>
+        <p:txBody>
+          <a:bodyPr wrap="square" rtlCol="0">
+            <a:spAutoFit/>
+          </a:bodyPr>
+          <a:lstStyle/>
+          <a:p>
+            <a:r>
+              <a:rPr lang="en-US" dirty="0">
+                <a:solidFill>
+                  <a:schemeClr val="accent1">
+                    <a:lumMod val="60000"/>
+                    <a:lumOff val="40000"/>
+                  </a:schemeClr>
+                </a:solidFill>
+              </a:rPr>
+              <a:t>+</a:t>
+            </a:r>
+          </a:p>
+        </p:txBody>
+      </p:sp>
+      <p:sp>
+        <p:nvSpPr>
+          <p:cNvPr id="69" name="TextBox 68">
+            <a:extLst>
+              <a:ext uri="{FF2B5EF4-FFF2-40B4-BE49-F238E27FC236}">
+                <a16:creationId xmlns:a16="http://schemas.microsoft.com/office/drawing/2014/main" id="{A395933D-8371-4CFB-AB93-46BC5E36006E}"/>
+              </a:ext>
+            </a:extLst>
+          </p:cNvPr>
+          <p:cNvSpPr txBox="1"/>
+          <p:nvPr/>
+        </p:nvSpPr>
+        <p:spPr>
+          <a:xfrm>
+            <a:off x="8077362" y="1857440"/>
+            <a:ext cx="231347" cy="369332"/>
+          </a:xfrm>
+          <a:prstGeom prst="rect">
+            <a:avLst/>
+          </a:prstGeom>
+          <a:noFill/>
+        </p:spPr>
+        <p:txBody>
+          <a:bodyPr wrap="square" rtlCol="0">
+            <a:spAutoFit/>
+          </a:bodyPr>
+          <a:lstStyle/>
+          <a:p>
+            <a:r>
+              <a:rPr lang="en-US" dirty="0">
+                <a:solidFill>
+                  <a:schemeClr val="accent1">
+                    <a:lumMod val="60000"/>
+                    <a:lumOff val="40000"/>
+                  </a:schemeClr>
+                </a:solidFill>
+              </a:rPr>
+              <a:t>+</a:t>
+            </a:r>
+          </a:p>
+        </p:txBody>
+      </p:sp>
+      <p:sp>
+        <p:nvSpPr>
+          <p:cNvPr id="70" name="TextBox 69">
+            <a:extLst>
+              <a:ext uri="{FF2B5EF4-FFF2-40B4-BE49-F238E27FC236}">
+                <a16:creationId xmlns:a16="http://schemas.microsoft.com/office/drawing/2014/main" id="{59E99D08-B28E-440F-9063-1CF1F90595A0}"/>
+              </a:ext>
+            </a:extLst>
+          </p:cNvPr>
+          <p:cNvSpPr txBox="1"/>
+          <p:nvPr/>
+        </p:nvSpPr>
+        <p:spPr>
+          <a:xfrm>
+            <a:off x="8137045" y="2143490"/>
+            <a:ext cx="231347" cy="369332"/>
+          </a:xfrm>
+          <a:prstGeom prst="rect">
+            <a:avLst/>
+          </a:prstGeom>
+          <a:noFill/>
+        </p:spPr>
+        <p:txBody>
+          <a:bodyPr wrap="square" rtlCol="0">
+            <a:spAutoFit/>
+          </a:bodyPr>
+          <a:lstStyle/>
+          <a:p>
+            <a:r>
+              <a:rPr lang="en-US" dirty="0">
+                <a:solidFill>
+                  <a:schemeClr val="accent1">
+                    <a:lumMod val="60000"/>
+                    <a:lumOff val="40000"/>
+                  </a:schemeClr>
+                </a:solidFill>
+              </a:rPr>
+              <a:t>+</a:t>
+            </a:r>
+          </a:p>
+        </p:txBody>
+      </p:sp>
+      <p:sp>
+        <p:nvSpPr>
+          <p:cNvPr id="71" name="TextBox 70">
+            <a:extLst>
+              <a:ext uri="{FF2B5EF4-FFF2-40B4-BE49-F238E27FC236}">
+                <a16:creationId xmlns:a16="http://schemas.microsoft.com/office/drawing/2014/main" id="{AC1C3FDC-9CF9-46D8-83A9-1709A3D32A67}"/>
+              </a:ext>
+            </a:extLst>
+          </p:cNvPr>
+          <p:cNvSpPr txBox="1"/>
+          <p:nvPr/>
+        </p:nvSpPr>
+        <p:spPr>
+          <a:xfrm>
+            <a:off x="10152823" y="1605336"/>
+            <a:ext cx="231347" cy="369332"/>
+          </a:xfrm>
+          <a:prstGeom prst="rect">
+            <a:avLst/>
+          </a:prstGeom>
+          <a:noFill/>
+        </p:spPr>
+        <p:txBody>
+          <a:bodyPr wrap="square" rtlCol="0">
+            <a:spAutoFit/>
+          </a:bodyPr>
+          <a:lstStyle/>
+          <a:p>
+            <a:r>
+              <a:rPr lang="en-US" dirty="0">
+                <a:solidFill>
+                  <a:schemeClr val="accent1">
+                    <a:lumMod val="60000"/>
+                    <a:lumOff val="40000"/>
+                  </a:schemeClr>
+                </a:solidFill>
+              </a:rPr>
+              <a:t>+</a:t>
+            </a:r>
+          </a:p>
+        </p:txBody>
+      </p:sp>
+      <p:sp>
+        <p:nvSpPr>
+          <p:cNvPr id="72" name="TextBox 71">
+            <a:extLst>
+              <a:ext uri="{FF2B5EF4-FFF2-40B4-BE49-F238E27FC236}">
+                <a16:creationId xmlns:a16="http://schemas.microsoft.com/office/drawing/2014/main" id="{5AE8B7F6-CF8A-49F3-9428-1835215154D7}"/>
+              </a:ext>
+            </a:extLst>
+          </p:cNvPr>
+          <p:cNvSpPr txBox="1"/>
+          <p:nvPr/>
+        </p:nvSpPr>
+        <p:spPr>
+          <a:xfrm>
+            <a:off x="10184714" y="2645484"/>
+            <a:ext cx="231347" cy="369332"/>
+          </a:xfrm>
+          <a:prstGeom prst="rect">
+            <a:avLst/>
+          </a:prstGeom>
+          <a:noFill/>
+        </p:spPr>
+        <p:txBody>
+          <a:bodyPr wrap="square" rtlCol="0">
+            <a:spAutoFit/>
+          </a:bodyPr>
+          <a:lstStyle/>
+          <a:p>
+            <a:r>
+              <a:rPr lang="en-US" dirty="0">
+                <a:solidFill>
+                  <a:schemeClr val="accent1">
+                    <a:lumMod val="60000"/>
+                    <a:lumOff val="40000"/>
+                  </a:schemeClr>
+                </a:solidFill>
+              </a:rPr>
+              <a:t>+</a:t>
+            </a:r>
+          </a:p>
+        </p:txBody>
+      </p:sp>
+      <p:sp>
+        <p:nvSpPr>
+          <p:cNvPr id="73" name="TextBox 72">
+            <a:extLst>
+              <a:ext uri="{FF2B5EF4-FFF2-40B4-BE49-F238E27FC236}">
+                <a16:creationId xmlns:a16="http://schemas.microsoft.com/office/drawing/2014/main" id="{B7C46EE2-3CD6-427B-9AC3-ED2416492A28}"/>
+              </a:ext>
+            </a:extLst>
+          </p:cNvPr>
+          <p:cNvSpPr txBox="1"/>
+          <p:nvPr/>
+        </p:nvSpPr>
+        <p:spPr>
+          <a:xfrm>
+            <a:off x="11897744" y="3410408"/>
+            <a:ext cx="231347" cy="369332"/>
+          </a:xfrm>
+          <a:prstGeom prst="rect">
+            <a:avLst/>
+          </a:prstGeom>
+          <a:noFill/>
+        </p:spPr>
+        <p:txBody>
+          <a:bodyPr wrap="square" rtlCol="0">
+            <a:spAutoFit/>
+          </a:bodyPr>
+          <a:lstStyle/>
+          <a:p>
+            <a:r>
+              <a:rPr lang="en-US" dirty="0">
+                <a:solidFill>
+                  <a:schemeClr val="accent1">
+                    <a:lumMod val="60000"/>
+                    <a:lumOff val="40000"/>
+                  </a:schemeClr>
+                </a:solidFill>
+              </a:rPr>
+              <a:t>+</a:t>
+            </a:r>
+          </a:p>
+        </p:txBody>
+      </p:sp>
+      <p:sp>
+        <p:nvSpPr>
+          <p:cNvPr id="74" name="TextBox 73">
+            <a:extLst>
+              <a:ext uri="{FF2B5EF4-FFF2-40B4-BE49-F238E27FC236}">
+                <a16:creationId xmlns:a16="http://schemas.microsoft.com/office/drawing/2014/main" id="{2D518619-F342-4293-9929-672018D93B89}"/>
+              </a:ext>
+            </a:extLst>
+          </p:cNvPr>
+          <p:cNvSpPr txBox="1"/>
+          <p:nvPr/>
+        </p:nvSpPr>
+        <p:spPr>
+          <a:xfrm>
+            <a:off x="11897743" y="4076606"/>
+            <a:ext cx="231347" cy="369332"/>
+          </a:xfrm>
+          <a:prstGeom prst="rect">
+            <a:avLst/>
+          </a:prstGeom>
+          <a:noFill/>
+        </p:spPr>
+        <p:txBody>
+          <a:bodyPr wrap="square" rtlCol="0">
+            <a:spAutoFit/>
+          </a:bodyPr>
+          <a:lstStyle/>
+          <a:p>
+            <a:r>
+              <a:rPr lang="en-US" dirty="0">
+                <a:solidFill>
+                  <a:schemeClr val="accent1">
+                    <a:lumMod val="60000"/>
+                    <a:lumOff val="40000"/>
+                  </a:schemeClr>
+                </a:solidFill>
+              </a:rPr>
+              <a:t>+</a:t>
+            </a:r>
+          </a:p>
+        </p:txBody>
+      </p:sp>
+      <p:sp>
+        <p:nvSpPr>
+          <p:cNvPr id="76" name="TextBox 75">
+            <a:extLst>
+              <a:ext uri="{FF2B5EF4-FFF2-40B4-BE49-F238E27FC236}">
+                <a16:creationId xmlns:a16="http://schemas.microsoft.com/office/drawing/2014/main" id="{B2882BB9-C9DE-4C2F-AD56-18308FABDD79}"/>
+              </a:ext>
+            </a:extLst>
+          </p:cNvPr>
+          <p:cNvSpPr txBox="1"/>
+          <p:nvPr/>
+        </p:nvSpPr>
+        <p:spPr>
+          <a:xfrm>
+            <a:off x="8957301" y="3773411"/>
+            <a:ext cx="231347" cy="369332"/>
+          </a:xfrm>
+          <a:prstGeom prst="rect">
+            <a:avLst/>
+          </a:prstGeom>
+          <a:noFill/>
+        </p:spPr>
+        <p:txBody>
+          <a:bodyPr wrap="square" rtlCol="0">
+            <a:spAutoFit/>
+          </a:bodyPr>
+          <a:lstStyle/>
+          <a:p>
+            <a:r>
+              <a:rPr lang="en-US" dirty="0">
+                <a:solidFill>
+                  <a:schemeClr val="accent1">
+                    <a:lumMod val="60000"/>
+                    <a:lumOff val="40000"/>
+                  </a:schemeClr>
+                </a:solidFill>
+              </a:rPr>
+              <a:t>-</a:t>
+            </a:r>
+          </a:p>
+        </p:txBody>
+      </p:sp>
+      <p:sp>
+        <p:nvSpPr>
+          <p:cNvPr id="77" name="TextBox 76">
+            <a:extLst>
+              <a:ext uri="{FF2B5EF4-FFF2-40B4-BE49-F238E27FC236}">
+                <a16:creationId xmlns:a16="http://schemas.microsoft.com/office/drawing/2014/main" id="{F759C53D-802D-4B1D-AC16-CA36C7877E98}"/>
+              </a:ext>
+            </a:extLst>
+          </p:cNvPr>
+          <p:cNvSpPr txBox="1"/>
+          <p:nvPr/>
+        </p:nvSpPr>
+        <p:spPr>
+          <a:xfrm>
+            <a:off x="10121845" y="1186930"/>
+            <a:ext cx="231347" cy="369332"/>
+          </a:xfrm>
+          <a:prstGeom prst="rect">
+            <a:avLst/>
+          </a:prstGeom>
+          <a:noFill/>
+        </p:spPr>
+        <p:txBody>
+          <a:bodyPr wrap="square" rtlCol="0">
+            <a:spAutoFit/>
+          </a:bodyPr>
+          <a:lstStyle/>
+          <a:p>
+            <a:r>
+              <a:rPr lang="en-US" dirty="0">
+                <a:solidFill>
+                  <a:schemeClr val="accent1">
+                    <a:lumMod val="60000"/>
+                    <a:lumOff val="40000"/>
+                  </a:schemeClr>
+                </a:solidFill>
+              </a:rPr>
+              <a:t>+</a:t>
+            </a:r>
+          </a:p>
+        </p:txBody>
+      </p:sp>
     </p:spTree>
     <p:extLst>
       <p:ext uri="{BB962C8B-B14F-4D97-AF65-F5344CB8AC3E}">
